--- a/Diagnostics/local/Cori/mass25/figures/New Microsoft PowerPoint Presentation (2).pptx
+++ b/Diagnostics/local/Cori/mass25/figures/New Microsoft PowerPoint Presentation (2).pptx
@@ -2,15 +2,15 @@
 <file path=ppt/presentation.xml><?xml version="1.0" encoding="utf-8"?>
 <p:presentation xmlns:a="http://schemas.openxmlformats.org/drawingml/2006/main" xmlns:r="http://schemas.openxmlformats.org/officeDocument/2006/relationships" xmlns:p="http://schemas.openxmlformats.org/presentationml/2006/main" saveSubsetFonts="1">
   <p:sldMasterIdLst>
-    <p:sldMasterId id="2147483660" r:id="rId1"/>
+    <p:sldMasterId id="2147483720" r:id="rId1"/>
   </p:sldMasterIdLst>
   <p:notesMasterIdLst>
     <p:notesMasterId r:id="rId3"/>
   </p:notesMasterIdLst>
   <p:sldIdLst>
-    <p:sldId id="256" r:id="rId2"/>
+    <p:sldId id="257" r:id="rId2"/>
   </p:sldIdLst>
-  <p:sldSz cx="12192000" cy="6400800"/>
+  <p:sldSz cx="10972800" cy="11887200"/>
   <p:notesSz cx="6858000" cy="9144000"/>
   <p:defaultTextStyle>
     <a:defPPr>
@@ -107,6 +107,11 @@
       </a:defRPr>
     </a:lvl9pPr>
   </p:defaultTextStyle>
+  <p:extLst>
+    <p:ext uri="{EFAFB233-063F-42B5-8137-9DF3F51BA10A}">
+      <p15:sldGuideLst xmlns:p15="http://schemas.microsoft.com/office/powerpoint/2012/main"/>
+    </p:ext>
+  </p:extLst>
 </p:presentation>
 </file>
 
@@ -192,7 +197,7 @@
           <a:p>
             <a:fld id="{556A5888-B09A-4C42-A5B1-6FA7AFFAF39F}" type="datetimeFigureOut">
               <a:rPr lang="en-US" smtClean="0"/>
-              <a:t>8/13/2022</a:t>
+              <a:t>8/18/2022</a:t>
             </a:fld>
             <a:endParaRPr lang="en-US"/>
           </a:p>
@@ -210,8 +215,8 @@
         </p:nvSpPr>
         <p:spPr>
           <a:xfrm>
-            <a:off x="490538" y="1143000"/>
-            <a:ext cx="5876925" cy="3086100"/>
+            <a:off x="2005013" y="1143000"/>
+            <a:ext cx="2847975" cy="3086100"/>
           </a:xfrm>
           <a:prstGeom prst="rect">
             <a:avLst/>
@@ -365,8 +370,8 @@
   </p:cSld>
   <p:clrMap bg1="lt1" tx1="dk1" bg2="lt2" tx2="dk2" accent1="accent1" accent2="accent2" accent3="accent3" accent4="accent4" accent5="accent5" accent6="accent6" hlink="hlink" folHlink="folHlink"/>
   <p:notesStyle>
-    <a:lvl1pPr marL="0" algn="l" defTabSz="914400" rtl="0" eaLnBrk="1" latinLnBrk="0" hangingPunct="1">
-      <a:defRPr sz="1200" kern="1200">
+    <a:lvl1pPr marL="0" algn="l" defTabSz="1755436" rtl="0" eaLnBrk="1" latinLnBrk="0" hangingPunct="1">
+      <a:defRPr sz="2304" kern="1200">
         <a:solidFill>
           <a:schemeClr val="tx1"/>
         </a:solidFill>
@@ -375,8 +380,8 @@
         <a:cs typeface="+mn-cs"/>
       </a:defRPr>
     </a:lvl1pPr>
-    <a:lvl2pPr marL="457200" algn="l" defTabSz="914400" rtl="0" eaLnBrk="1" latinLnBrk="0" hangingPunct="1">
-      <a:defRPr sz="1200" kern="1200">
+    <a:lvl2pPr marL="877718" algn="l" defTabSz="1755436" rtl="0" eaLnBrk="1" latinLnBrk="0" hangingPunct="1">
+      <a:defRPr sz="2304" kern="1200">
         <a:solidFill>
           <a:schemeClr val="tx1"/>
         </a:solidFill>
@@ -385,8 +390,8 @@
         <a:cs typeface="+mn-cs"/>
       </a:defRPr>
     </a:lvl2pPr>
-    <a:lvl3pPr marL="914400" algn="l" defTabSz="914400" rtl="0" eaLnBrk="1" latinLnBrk="0" hangingPunct="1">
-      <a:defRPr sz="1200" kern="1200">
+    <a:lvl3pPr marL="1755436" algn="l" defTabSz="1755436" rtl="0" eaLnBrk="1" latinLnBrk="0" hangingPunct="1">
+      <a:defRPr sz="2304" kern="1200">
         <a:solidFill>
           <a:schemeClr val="tx1"/>
         </a:solidFill>
@@ -395,8 +400,8 @@
         <a:cs typeface="+mn-cs"/>
       </a:defRPr>
     </a:lvl3pPr>
-    <a:lvl4pPr marL="1371600" algn="l" defTabSz="914400" rtl="0" eaLnBrk="1" latinLnBrk="0" hangingPunct="1">
-      <a:defRPr sz="1200" kern="1200">
+    <a:lvl4pPr marL="2633154" algn="l" defTabSz="1755436" rtl="0" eaLnBrk="1" latinLnBrk="0" hangingPunct="1">
+      <a:defRPr sz="2304" kern="1200">
         <a:solidFill>
           <a:schemeClr val="tx1"/>
         </a:solidFill>
@@ -405,8 +410,8 @@
         <a:cs typeface="+mn-cs"/>
       </a:defRPr>
     </a:lvl4pPr>
-    <a:lvl5pPr marL="1828800" algn="l" defTabSz="914400" rtl="0" eaLnBrk="1" latinLnBrk="0" hangingPunct="1">
-      <a:defRPr sz="1200" kern="1200">
+    <a:lvl5pPr marL="3510872" algn="l" defTabSz="1755436" rtl="0" eaLnBrk="1" latinLnBrk="0" hangingPunct="1">
+      <a:defRPr sz="2304" kern="1200">
         <a:solidFill>
           <a:schemeClr val="tx1"/>
         </a:solidFill>
@@ -415,8 +420,8 @@
         <a:cs typeface="+mn-cs"/>
       </a:defRPr>
     </a:lvl5pPr>
-    <a:lvl6pPr marL="2286000" algn="l" defTabSz="914400" rtl="0" eaLnBrk="1" latinLnBrk="0" hangingPunct="1">
-      <a:defRPr sz="1200" kern="1200">
+    <a:lvl6pPr marL="4388590" algn="l" defTabSz="1755436" rtl="0" eaLnBrk="1" latinLnBrk="0" hangingPunct="1">
+      <a:defRPr sz="2304" kern="1200">
         <a:solidFill>
           <a:schemeClr val="tx1"/>
         </a:solidFill>
@@ -425,8 +430,8 @@
         <a:cs typeface="+mn-cs"/>
       </a:defRPr>
     </a:lvl6pPr>
-    <a:lvl7pPr marL="2743200" algn="l" defTabSz="914400" rtl="0" eaLnBrk="1" latinLnBrk="0" hangingPunct="1">
-      <a:defRPr sz="1200" kern="1200">
+    <a:lvl7pPr marL="5266308" algn="l" defTabSz="1755436" rtl="0" eaLnBrk="1" latinLnBrk="0" hangingPunct="1">
+      <a:defRPr sz="2304" kern="1200">
         <a:solidFill>
           <a:schemeClr val="tx1"/>
         </a:solidFill>
@@ -435,8 +440,8 @@
         <a:cs typeface="+mn-cs"/>
       </a:defRPr>
     </a:lvl7pPr>
-    <a:lvl8pPr marL="3200400" algn="l" defTabSz="914400" rtl="0" eaLnBrk="1" latinLnBrk="0" hangingPunct="1">
-      <a:defRPr sz="1200" kern="1200">
+    <a:lvl8pPr marL="6144026" algn="l" defTabSz="1755436" rtl="0" eaLnBrk="1" latinLnBrk="0" hangingPunct="1">
+      <a:defRPr sz="2304" kern="1200">
         <a:solidFill>
           <a:schemeClr val="tx1"/>
         </a:solidFill>
@@ -445,8 +450,8 @@
         <a:cs typeface="+mn-cs"/>
       </a:defRPr>
     </a:lvl8pPr>
-    <a:lvl9pPr marL="3657600" algn="l" defTabSz="914400" rtl="0" eaLnBrk="1" latinLnBrk="0" hangingPunct="1">
-      <a:defRPr sz="1200" kern="1200">
+    <a:lvl9pPr marL="7021743" algn="l" defTabSz="1755436" rtl="0" eaLnBrk="1" latinLnBrk="0" hangingPunct="1">
+      <a:defRPr sz="2304" kern="1200">
         <a:solidFill>
           <a:schemeClr val="tx1"/>
         </a:solidFill>
@@ -457,90 +462,6 @@
     </a:lvl9pPr>
   </p:notesStyle>
 </p:notesMaster>
-</file>
-
-<file path=ppt/notesSlides/notesSlide1.xml><?xml version="1.0" encoding="utf-8"?>
-<p:notes xmlns:a="http://schemas.openxmlformats.org/drawingml/2006/main" xmlns:r="http://schemas.openxmlformats.org/officeDocument/2006/relationships" xmlns:p="http://schemas.openxmlformats.org/presentationml/2006/main">
-  <p:cSld>
-    <p:spTree>
-      <p:nvGrpSpPr>
-        <p:cNvPr id="1" name=""/>
-        <p:cNvGrpSpPr/>
-        <p:nvPr/>
-      </p:nvGrpSpPr>
-      <p:grpSpPr>
-        <a:xfrm>
-          <a:off x="0" y="0"/>
-          <a:ext cx="0" cy="0"/>
-          <a:chOff x="0" y="0"/>
-          <a:chExt cx="0" cy="0"/>
-        </a:xfrm>
-      </p:grpSpPr>
-      <p:sp>
-        <p:nvSpPr>
-          <p:cNvPr id="2" name="Slide Image Placeholder 1"/>
-          <p:cNvSpPr>
-            <a:spLocks noGrp="1" noRot="1" noChangeAspect="1"/>
-          </p:cNvSpPr>
-          <p:nvPr>
-            <p:ph type="sldImg"/>
-          </p:nvPr>
-        </p:nvSpPr>
-        <p:spPr/>
-      </p:sp>
-      <p:sp>
-        <p:nvSpPr>
-          <p:cNvPr id="3" name="Notes Placeholder 2"/>
-          <p:cNvSpPr>
-            <a:spLocks noGrp="1"/>
-          </p:cNvSpPr>
-          <p:nvPr>
-            <p:ph type="body" idx="1"/>
-          </p:nvPr>
-        </p:nvSpPr>
-        <p:spPr/>
-        <p:txBody>
-          <a:bodyPr/>
-          <a:lstStyle/>
-          <a:p>
-            <a:endParaRPr lang="en-US" dirty="0"/>
-          </a:p>
-        </p:txBody>
-      </p:sp>
-      <p:sp>
-        <p:nvSpPr>
-          <p:cNvPr id="4" name="Slide Number Placeholder 3"/>
-          <p:cNvSpPr>
-            <a:spLocks noGrp="1"/>
-          </p:cNvSpPr>
-          <p:nvPr>
-            <p:ph type="sldNum" sz="quarter" idx="5"/>
-          </p:nvPr>
-        </p:nvSpPr>
-        <p:spPr/>
-        <p:txBody>
-          <a:bodyPr/>
-          <a:lstStyle/>
-          <a:p>
-            <a:fld id="{4A7DE88A-3BA3-43A8-9675-0FF39A634C77}" type="slidenum">
-              <a:rPr lang="en-US" smtClean="0"/>
-              <a:t>1</a:t>
-            </a:fld>
-            <a:endParaRPr lang="en-US"/>
-          </a:p>
-        </p:txBody>
-      </p:sp>
-    </p:spTree>
-    <p:extLst>
-      <p:ext uri="{BB962C8B-B14F-4D97-AF65-F5344CB8AC3E}">
-        <p14:creationId xmlns:p14="http://schemas.microsoft.com/office/powerpoint/2010/main" val="2961090330"/>
-      </p:ext>
-    </p:extLst>
-  </p:cSld>
-  <p:clrMapOvr>
-    <a:masterClrMapping/>
-  </p:clrMapOvr>
-</p:notes>
 </file>
 
 <file path=ppt/slideLayouts/slideLayout1.xml><?xml version="1.0" encoding="utf-8"?>
@@ -572,15 +493,15 @@
         </p:nvSpPr>
         <p:spPr>
           <a:xfrm>
-            <a:off x="1524000" y="1047539"/>
-            <a:ext cx="9144000" cy="2228427"/>
+            <a:off x="822960" y="1945429"/>
+            <a:ext cx="9326880" cy="4138507"/>
           </a:xfrm>
         </p:spPr>
         <p:txBody>
           <a:bodyPr anchor="b"/>
           <a:lstStyle>
             <a:lvl1pPr algn="ctr">
-              <a:defRPr sz="5600"/>
+              <a:defRPr sz="7200"/>
             </a:lvl1pPr>
           </a:lstStyle>
           <a:p>
@@ -604,8 +525,8 @@
         </p:nvSpPr>
         <p:spPr>
           <a:xfrm>
-            <a:off x="1524000" y="3361902"/>
-            <a:ext cx="9144000" cy="1545378"/>
+            <a:off x="1371600" y="6243533"/>
+            <a:ext cx="8229600" cy="2869987"/>
           </a:xfrm>
         </p:spPr>
         <p:txBody>
@@ -613,39 +534,39 @@
           <a:lstStyle>
             <a:lvl1pPr marL="0" indent="0" algn="ctr">
               <a:buNone/>
-              <a:defRPr sz="2240"/>
+              <a:defRPr sz="2880"/>
             </a:lvl1pPr>
-            <a:lvl2pPr marL="426705" indent="0" algn="ctr">
-              <a:buNone/>
-              <a:defRPr sz="1867"/>
+            <a:lvl2pPr marL="548640" indent="0" algn="ctr">
+              <a:buNone/>
+              <a:defRPr sz="2400"/>
             </a:lvl2pPr>
-            <a:lvl3pPr marL="853410" indent="0" algn="ctr">
-              <a:buNone/>
-              <a:defRPr sz="1680"/>
+            <a:lvl3pPr marL="1097280" indent="0" algn="ctr">
+              <a:buNone/>
+              <a:defRPr sz="2160"/>
             </a:lvl3pPr>
-            <a:lvl4pPr marL="1280114" indent="0" algn="ctr">
-              <a:buNone/>
-              <a:defRPr sz="1493"/>
+            <a:lvl4pPr marL="1645920" indent="0" algn="ctr">
+              <a:buNone/>
+              <a:defRPr sz="1920"/>
             </a:lvl4pPr>
-            <a:lvl5pPr marL="1706819" indent="0" algn="ctr">
-              <a:buNone/>
-              <a:defRPr sz="1493"/>
+            <a:lvl5pPr marL="2194560" indent="0" algn="ctr">
+              <a:buNone/>
+              <a:defRPr sz="1920"/>
             </a:lvl5pPr>
-            <a:lvl6pPr marL="2133524" indent="0" algn="ctr">
-              <a:buNone/>
-              <a:defRPr sz="1493"/>
+            <a:lvl6pPr marL="2743200" indent="0" algn="ctr">
+              <a:buNone/>
+              <a:defRPr sz="1920"/>
             </a:lvl6pPr>
-            <a:lvl7pPr marL="2560229" indent="0" algn="ctr">
-              <a:buNone/>
-              <a:defRPr sz="1493"/>
+            <a:lvl7pPr marL="3291840" indent="0" algn="ctr">
+              <a:buNone/>
+              <a:defRPr sz="1920"/>
             </a:lvl7pPr>
-            <a:lvl8pPr marL="2986933" indent="0" algn="ctr">
-              <a:buNone/>
-              <a:defRPr sz="1493"/>
+            <a:lvl8pPr marL="3840480" indent="0" algn="ctr">
+              <a:buNone/>
+              <a:defRPr sz="1920"/>
             </a:lvl8pPr>
-            <a:lvl9pPr marL="3413638" indent="0" algn="ctr">
-              <a:buNone/>
-              <a:defRPr sz="1493"/>
+            <a:lvl9pPr marL="4389120" indent="0" algn="ctr">
+              <a:buNone/>
+              <a:defRPr sz="1920"/>
             </a:lvl9pPr>
           </a:lstStyle>
           <a:p>
@@ -674,7 +595,7 @@
           <a:p>
             <a:fld id="{43DA9A97-6A4D-4190-82F3-1342E7FB8B4E}" type="datetimeFigureOut">
               <a:rPr lang="en-US" smtClean="0"/>
-              <a:t>8/12/2022</a:t>
+              <a:t>8/18/2022</a:t>
             </a:fld>
             <a:endParaRPr lang="en-US"/>
           </a:p>
@@ -725,7 +646,7 @@
     </p:spTree>
     <p:extLst>
       <p:ext uri="{BB962C8B-B14F-4D97-AF65-F5344CB8AC3E}">
-        <p14:creationId xmlns:p14="http://schemas.microsoft.com/office/powerpoint/2010/main" val="2026895909"/>
+        <p14:creationId xmlns:p14="http://schemas.microsoft.com/office/powerpoint/2010/main" val="1760960545"/>
       </p:ext>
     </p:extLst>
   </p:cSld>
@@ -844,7 +765,7 @@
           <a:p>
             <a:fld id="{43DA9A97-6A4D-4190-82F3-1342E7FB8B4E}" type="datetimeFigureOut">
               <a:rPr lang="en-US" smtClean="0"/>
-              <a:t>8/12/2022</a:t>
+              <a:t>8/18/2022</a:t>
             </a:fld>
             <a:endParaRPr lang="en-US"/>
           </a:p>
@@ -895,7 +816,7 @@
     </p:spTree>
     <p:extLst>
       <p:ext uri="{BB962C8B-B14F-4D97-AF65-F5344CB8AC3E}">
-        <p14:creationId xmlns:p14="http://schemas.microsoft.com/office/powerpoint/2010/main" val="3194767043"/>
+        <p14:creationId xmlns:p14="http://schemas.microsoft.com/office/powerpoint/2010/main" val="1598105486"/>
       </p:ext>
     </p:extLst>
   </p:cSld>
@@ -934,8 +855,8 @@
         </p:nvSpPr>
         <p:spPr>
           <a:xfrm>
-            <a:off x="8724900" y="340783"/>
-            <a:ext cx="2628900" cy="5424382"/>
+            <a:off x="7852411" y="632883"/>
+            <a:ext cx="2366010" cy="10073853"/>
           </a:xfrm>
         </p:spPr>
         <p:txBody>
@@ -962,8 +883,8 @@
         </p:nvSpPr>
         <p:spPr>
           <a:xfrm>
-            <a:off x="838200" y="340783"/>
-            <a:ext cx="7734300" cy="5424382"/>
+            <a:off x="754381" y="632883"/>
+            <a:ext cx="6960870" cy="10073853"/>
           </a:xfrm>
         </p:spPr>
         <p:txBody>
@@ -1024,7 +945,7 @@
           <a:p>
             <a:fld id="{43DA9A97-6A4D-4190-82F3-1342E7FB8B4E}" type="datetimeFigureOut">
               <a:rPr lang="en-US" smtClean="0"/>
-              <a:t>8/12/2022</a:t>
+              <a:t>8/18/2022</a:t>
             </a:fld>
             <a:endParaRPr lang="en-US"/>
           </a:p>
@@ -1075,7 +996,7 @@
     </p:spTree>
     <p:extLst>
       <p:ext uri="{BB962C8B-B14F-4D97-AF65-F5344CB8AC3E}">
-        <p14:creationId xmlns:p14="http://schemas.microsoft.com/office/powerpoint/2010/main" val="138079946"/>
+        <p14:creationId xmlns:p14="http://schemas.microsoft.com/office/powerpoint/2010/main" val="3868079829"/>
       </p:ext>
     </p:extLst>
   </p:cSld>
@@ -1194,7 +1115,7 @@
           <a:p>
             <a:fld id="{43DA9A97-6A4D-4190-82F3-1342E7FB8B4E}" type="datetimeFigureOut">
               <a:rPr lang="en-US" smtClean="0"/>
-              <a:t>8/12/2022</a:t>
+              <a:t>8/18/2022</a:t>
             </a:fld>
             <a:endParaRPr lang="en-US"/>
           </a:p>
@@ -1245,7 +1166,7 @@
     </p:spTree>
     <p:extLst>
       <p:ext uri="{BB962C8B-B14F-4D97-AF65-F5344CB8AC3E}">
-        <p14:creationId xmlns:p14="http://schemas.microsoft.com/office/powerpoint/2010/main" val="3024352326"/>
+        <p14:creationId xmlns:p14="http://schemas.microsoft.com/office/powerpoint/2010/main" val="3067581999"/>
       </p:ext>
     </p:extLst>
   </p:cSld>
@@ -1284,15 +1205,15 @@
         </p:nvSpPr>
         <p:spPr>
           <a:xfrm>
-            <a:off x="831850" y="1595756"/>
-            <a:ext cx="10515600" cy="2662555"/>
+            <a:off x="748666" y="2963549"/>
+            <a:ext cx="9464040" cy="4944744"/>
           </a:xfrm>
         </p:spPr>
         <p:txBody>
           <a:bodyPr anchor="b"/>
           <a:lstStyle>
             <a:lvl1pPr>
-              <a:defRPr sz="5600"/>
+              <a:defRPr sz="7200"/>
             </a:lvl1pPr>
           </a:lstStyle>
           <a:p>
@@ -1316,8 +1237,8 @@
         </p:nvSpPr>
         <p:spPr>
           <a:xfrm>
-            <a:off x="831850" y="4283499"/>
-            <a:ext cx="10515600" cy="1400175"/>
+            <a:off x="748666" y="7955072"/>
+            <a:ext cx="9464040" cy="2600324"/>
           </a:xfrm>
         </p:spPr>
         <p:txBody>
@@ -1325,17 +1246,15 @@
           <a:lstStyle>
             <a:lvl1pPr marL="0" indent="0">
               <a:buNone/>
-              <a:defRPr sz="2240">
+              <a:defRPr sz="2880">
                 <a:solidFill>
-                  <a:schemeClr val="tx1">
-                    <a:tint val="75000"/>
-                  </a:schemeClr>
+                  <a:schemeClr val="tx1"/>
                 </a:solidFill>
               </a:defRPr>
             </a:lvl1pPr>
-            <a:lvl2pPr marL="426705" indent="0">
-              <a:buNone/>
-              <a:defRPr sz="1867">
+            <a:lvl2pPr marL="548640" indent="0">
+              <a:buNone/>
+              <a:defRPr sz="2400">
                 <a:solidFill>
                   <a:schemeClr val="tx1">
                     <a:tint val="75000"/>
@@ -1343,9 +1262,9 @@
                 </a:solidFill>
               </a:defRPr>
             </a:lvl2pPr>
-            <a:lvl3pPr marL="853410" indent="0">
-              <a:buNone/>
-              <a:defRPr sz="1680">
+            <a:lvl3pPr marL="1097280" indent="0">
+              <a:buNone/>
+              <a:defRPr sz="2160">
                 <a:solidFill>
                   <a:schemeClr val="tx1">
                     <a:tint val="75000"/>
@@ -1353,9 +1272,9 @@
                 </a:solidFill>
               </a:defRPr>
             </a:lvl3pPr>
-            <a:lvl4pPr marL="1280114" indent="0">
-              <a:buNone/>
-              <a:defRPr sz="1493">
+            <a:lvl4pPr marL="1645920" indent="0">
+              <a:buNone/>
+              <a:defRPr sz="1920">
                 <a:solidFill>
                   <a:schemeClr val="tx1">
                     <a:tint val="75000"/>
@@ -1363,9 +1282,9 @@
                 </a:solidFill>
               </a:defRPr>
             </a:lvl4pPr>
-            <a:lvl5pPr marL="1706819" indent="0">
-              <a:buNone/>
-              <a:defRPr sz="1493">
+            <a:lvl5pPr marL="2194560" indent="0">
+              <a:buNone/>
+              <a:defRPr sz="1920">
                 <a:solidFill>
                   <a:schemeClr val="tx1">
                     <a:tint val="75000"/>
@@ -1373,9 +1292,9 @@
                 </a:solidFill>
               </a:defRPr>
             </a:lvl5pPr>
-            <a:lvl6pPr marL="2133524" indent="0">
-              <a:buNone/>
-              <a:defRPr sz="1493">
+            <a:lvl6pPr marL="2743200" indent="0">
+              <a:buNone/>
+              <a:defRPr sz="1920">
                 <a:solidFill>
                   <a:schemeClr val="tx1">
                     <a:tint val="75000"/>
@@ -1383,9 +1302,9 @@
                 </a:solidFill>
               </a:defRPr>
             </a:lvl6pPr>
-            <a:lvl7pPr marL="2560229" indent="0">
-              <a:buNone/>
-              <a:defRPr sz="1493">
+            <a:lvl7pPr marL="3291840" indent="0">
+              <a:buNone/>
+              <a:defRPr sz="1920">
                 <a:solidFill>
                   <a:schemeClr val="tx1">
                     <a:tint val="75000"/>
@@ -1393,9 +1312,9 @@
                 </a:solidFill>
               </a:defRPr>
             </a:lvl7pPr>
-            <a:lvl8pPr marL="2986933" indent="0">
-              <a:buNone/>
-              <a:defRPr sz="1493">
+            <a:lvl8pPr marL="3840480" indent="0">
+              <a:buNone/>
+              <a:defRPr sz="1920">
                 <a:solidFill>
                   <a:schemeClr val="tx1">
                     <a:tint val="75000"/>
@@ -1403,9 +1322,9 @@
                 </a:solidFill>
               </a:defRPr>
             </a:lvl8pPr>
-            <a:lvl9pPr marL="3413638" indent="0">
-              <a:buNone/>
-              <a:defRPr sz="1493">
+            <a:lvl9pPr marL="4389120" indent="0">
+              <a:buNone/>
+              <a:defRPr sz="1920">
                 <a:solidFill>
                   <a:schemeClr val="tx1">
                     <a:tint val="75000"/>
@@ -1440,7 +1359,7 @@
           <a:p>
             <a:fld id="{43DA9A97-6A4D-4190-82F3-1342E7FB8B4E}" type="datetimeFigureOut">
               <a:rPr lang="en-US" smtClean="0"/>
-              <a:t>8/12/2022</a:t>
+              <a:t>8/18/2022</a:t>
             </a:fld>
             <a:endParaRPr lang="en-US"/>
           </a:p>
@@ -1491,7 +1410,7 @@
     </p:spTree>
     <p:extLst>
       <p:ext uri="{BB962C8B-B14F-4D97-AF65-F5344CB8AC3E}">
-        <p14:creationId xmlns:p14="http://schemas.microsoft.com/office/powerpoint/2010/main" val="1062936267"/>
+        <p14:creationId xmlns:p14="http://schemas.microsoft.com/office/powerpoint/2010/main" val="1412438180"/>
       </p:ext>
     </p:extLst>
   </p:cSld>
@@ -1553,8 +1472,8 @@
         </p:nvSpPr>
         <p:spPr>
           <a:xfrm>
-            <a:off x="838200" y="1703917"/>
-            <a:ext cx="5181600" cy="4061249"/>
+            <a:off x="754380" y="3164417"/>
+            <a:ext cx="4663440" cy="7542319"/>
           </a:xfrm>
         </p:spPr>
         <p:txBody>
@@ -1610,8 +1529,8 @@
         </p:nvSpPr>
         <p:spPr>
           <a:xfrm>
-            <a:off x="6172200" y="1703917"/>
-            <a:ext cx="5181600" cy="4061249"/>
+            <a:off x="5554980" y="3164417"/>
+            <a:ext cx="4663440" cy="7542319"/>
           </a:xfrm>
         </p:spPr>
         <p:txBody>
@@ -1672,7 +1591,7 @@
           <a:p>
             <a:fld id="{43DA9A97-6A4D-4190-82F3-1342E7FB8B4E}" type="datetimeFigureOut">
               <a:rPr lang="en-US" smtClean="0"/>
-              <a:t>8/12/2022</a:t>
+              <a:t>8/18/2022</a:t>
             </a:fld>
             <a:endParaRPr lang="en-US"/>
           </a:p>
@@ -1723,7 +1642,7 @@
     </p:spTree>
     <p:extLst>
       <p:ext uri="{BB962C8B-B14F-4D97-AF65-F5344CB8AC3E}">
-        <p14:creationId xmlns:p14="http://schemas.microsoft.com/office/powerpoint/2010/main" val="2367717467"/>
+        <p14:creationId xmlns:p14="http://schemas.microsoft.com/office/powerpoint/2010/main" val="402440938"/>
       </p:ext>
     </p:extLst>
   </p:cSld>
@@ -1762,8 +1681,8 @@
         </p:nvSpPr>
         <p:spPr>
           <a:xfrm>
-            <a:off x="839788" y="340784"/>
-            <a:ext cx="10515600" cy="1237192"/>
+            <a:off x="755809" y="632886"/>
+            <a:ext cx="9464040" cy="2297643"/>
           </a:xfrm>
         </p:spPr>
         <p:txBody>
@@ -1790,8 +1709,8 @@
         </p:nvSpPr>
         <p:spPr>
           <a:xfrm>
-            <a:off x="839789" y="1569085"/>
-            <a:ext cx="5157787" cy="768985"/>
+            <a:off x="755810" y="2914016"/>
+            <a:ext cx="4642008" cy="1428114"/>
           </a:xfrm>
         </p:spPr>
         <p:txBody>
@@ -1799,39 +1718,39 @@
           <a:lstStyle>
             <a:lvl1pPr marL="0" indent="0">
               <a:buNone/>
-              <a:defRPr sz="2240" b="1"/>
+              <a:defRPr sz="2880" b="1"/>
             </a:lvl1pPr>
-            <a:lvl2pPr marL="426705" indent="0">
-              <a:buNone/>
-              <a:defRPr sz="1867" b="1"/>
+            <a:lvl2pPr marL="548640" indent="0">
+              <a:buNone/>
+              <a:defRPr sz="2400" b="1"/>
             </a:lvl2pPr>
-            <a:lvl3pPr marL="853410" indent="0">
-              <a:buNone/>
-              <a:defRPr sz="1680" b="1"/>
+            <a:lvl3pPr marL="1097280" indent="0">
+              <a:buNone/>
+              <a:defRPr sz="2160" b="1"/>
             </a:lvl3pPr>
-            <a:lvl4pPr marL="1280114" indent="0">
-              <a:buNone/>
-              <a:defRPr sz="1493" b="1"/>
+            <a:lvl4pPr marL="1645920" indent="0">
+              <a:buNone/>
+              <a:defRPr sz="1920" b="1"/>
             </a:lvl4pPr>
-            <a:lvl5pPr marL="1706819" indent="0">
-              <a:buNone/>
-              <a:defRPr sz="1493" b="1"/>
+            <a:lvl5pPr marL="2194560" indent="0">
+              <a:buNone/>
+              <a:defRPr sz="1920" b="1"/>
             </a:lvl5pPr>
-            <a:lvl6pPr marL="2133524" indent="0">
-              <a:buNone/>
-              <a:defRPr sz="1493" b="1"/>
+            <a:lvl6pPr marL="2743200" indent="0">
+              <a:buNone/>
+              <a:defRPr sz="1920" b="1"/>
             </a:lvl6pPr>
-            <a:lvl7pPr marL="2560229" indent="0">
-              <a:buNone/>
-              <a:defRPr sz="1493" b="1"/>
+            <a:lvl7pPr marL="3291840" indent="0">
+              <a:buNone/>
+              <a:defRPr sz="1920" b="1"/>
             </a:lvl7pPr>
-            <a:lvl8pPr marL="2986933" indent="0">
-              <a:buNone/>
-              <a:defRPr sz="1493" b="1"/>
+            <a:lvl8pPr marL="3840480" indent="0">
+              <a:buNone/>
+              <a:defRPr sz="1920" b="1"/>
             </a:lvl8pPr>
-            <a:lvl9pPr marL="3413638" indent="0">
-              <a:buNone/>
-              <a:defRPr sz="1493" b="1"/>
+            <a:lvl9pPr marL="4389120" indent="0">
+              <a:buNone/>
+              <a:defRPr sz="1920" b="1"/>
             </a:lvl9pPr>
           </a:lstStyle>
           <a:p>
@@ -1855,8 +1774,8 @@
         </p:nvSpPr>
         <p:spPr>
           <a:xfrm>
-            <a:off x="839789" y="2338070"/>
-            <a:ext cx="5157787" cy="3438949"/>
+            <a:off x="755810" y="4342130"/>
+            <a:ext cx="4642008" cy="6386619"/>
           </a:xfrm>
         </p:spPr>
         <p:txBody>
@@ -1912,8 +1831,8 @@
         </p:nvSpPr>
         <p:spPr>
           <a:xfrm>
-            <a:off x="6172200" y="1569085"/>
-            <a:ext cx="5183188" cy="768985"/>
+            <a:off x="5554981" y="2914016"/>
+            <a:ext cx="4664869" cy="1428114"/>
           </a:xfrm>
         </p:spPr>
         <p:txBody>
@@ -1921,39 +1840,39 @@
           <a:lstStyle>
             <a:lvl1pPr marL="0" indent="0">
               <a:buNone/>
-              <a:defRPr sz="2240" b="1"/>
+              <a:defRPr sz="2880" b="1"/>
             </a:lvl1pPr>
-            <a:lvl2pPr marL="426705" indent="0">
-              <a:buNone/>
-              <a:defRPr sz="1867" b="1"/>
+            <a:lvl2pPr marL="548640" indent="0">
+              <a:buNone/>
+              <a:defRPr sz="2400" b="1"/>
             </a:lvl2pPr>
-            <a:lvl3pPr marL="853410" indent="0">
-              <a:buNone/>
-              <a:defRPr sz="1680" b="1"/>
+            <a:lvl3pPr marL="1097280" indent="0">
+              <a:buNone/>
+              <a:defRPr sz="2160" b="1"/>
             </a:lvl3pPr>
-            <a:lvl4pPr marL="1280114" indent="0">
-              <a:buNone/>
-              <a:defRPr sz="1493" b="1"/>
+            <a:lvl4pPr marL="1645920" indent="0">
+              <a:buNone/>
+              <a:defRPr sz="1920" b="1"/>
             </a:lvl4pPr>
-            <a:lvl5pPr marL="1706819" indent="0">
-              <a:buNone/>
-              <a:defRPr sz="1493" b="1"/>
+            <a:lvl5pPr marL="2194560" indent="0">
+              <a:buNone/>
+              <a:defRPr sz="1920" b="1"/>
             </a:lvl5pPr>
-            <a:lvl6pPr marL="2133524" indent="0">
-              <a:buNone/>
-              <a:defRPr sz="1493" b="1"/>
+            <a:lvl6pPr marL="2743200" indent="0">
+              <a:buNone/>
+              <a:defRPr sz="1920" b="1"/>
             </a:lvl6pPr>
-            <a:lvl7pPr marL="2560229" indent="0">
-              <a:buNone/>
-              <a:defRPr sz="1493" b="1"/>
+            <a:lvl7pPr marL="3291840" indent="0">
+              <a:buNone/>
+              <a:defRPr sz="1920" b="1"/>
             </a:lvl7pPr>
-            <a:lvl8pPr marL="2986933" indent="0">
-              <a:buNone/>
-              <a:defRPr sz="1493" b="1"/>
+            <a:lvl8pPr marL="3840480" indent="0">
+              <a:buNone/>
+              <a:defRPr sz="1920" b="1"/>
             </a:lvl8pPr>
-            <a:lvl9pPr marL="3413638" indent="0">
-              <a:buNone/>
-              <a:defRPr sz="1493" b="1"/>
+            <a:lvl9pPr marL="4389120" indent="0">
+              <a:buNone/>
+              <a:defRPr sz="1920" b="1"/>
             </a:lvl9pPr>
           </a:lstStyle>
           <a:p>
@@ -1977,8 +1896,8 @@
         </p:nvSpPr>
         <p:spPr>
           <a:xfrm>
-            <a:off x="6172200" y="2338070"/>
-            <a:ext cx="5183188" cy="3438949"/>
+            <a:off x="5554981" y="4342130"/>
+            <a:ext cx="4664869" cy="6386619"/>
           </a:xfrm>
         </p:spPr>
         <p:txBody>
@@ -2039,7 +1958,7 @@
           <a:p>
             <a:fld id="{43DA9A97-6A4D-4190-82F3-1342E7FB8B4E}" type="datetimeFigureOut">
               <a:rPr lang="en-US" smtClean="0"/>
-              <a:t>8/12/2022</a:t>
+              <a:t>8/18/2022</a:t>
             </a:fld>
             <a:endParaRPr lang="en-US"/>
           </a:p>
@@ -2090,7 +2009,7 @@
     </p:spTree>
     <p:extLst>
       <p:ext uri="{BB962C8B-B14F-4D97-AF65-F5344CB8AC3E}">
-        <p14:creationId xmlns:p14="http://schemas.microsoft.com/office/powerpoint/2010/main" val="2658737404"/>
+        <p14:creationId xmlns:p14="http://schemas.microsoft.com/office/powerpoint/2010/main" val="2584721832"/>
       </p:ext>
     </p:extLst>
   </p:cSld>
@@ -2157,7 +2076,7 @@
           <a:p>
             <a:fld id="{43DA9A97-6A4D-4190-82F3-1342E7FB8B4E}" type="datetimeFigureOut">
               <a:rPr lang="en-US" smtClean="0"/>
-              <a:t>8/12/2022</a:t>
+              <a:t>8/18/2022</a:t>
             </a:fld>
             <a:endParaRPr lang="en-US"/>
           </a:p>
@@ -2208,7 +2127,7 @@
     </p:spTree>
     <p:extLst>
       <p:ext uri="{BB962C8B-B14F-4D97-AF65-F5344CB8AC3E}">
-        <p14:creationId xmlns:p14="http://schemas.microsoft.com/office/powerpoint/2010/main" val="2760986527"/>
+        <p14:creationId xmlns:p14="http://schemas.microsoft.com/office/powerpoint/2010/main" val="170130701"/>
       </p:ext>
     </p:extLst>
   </p:cSld>
@@ -2252,7 +2171,7 @@
           <a:p>
             <a:fld id="{43DA9A97-6A4D-4190-82F3-1342E7FB8B4E}" type="datetimeFigureOut">
               <a:rPr lang="en-US" smtClean="0"/>
-              <a:t>8/12/2022</a:t>
+              <a:t>8/18/2022</a:t>
             </a:fld>
             <a:endParaRPr lang="en-US"/>
           </a:p>
@@ -2303,7 +2222,7 @@
     </p:spTree>
     <p:extLst>
       <p:ext uri="{BB962C8B-B14F-4D97-AF65-F5344CB8AC3E}">
-        <p14:creationId xmlns:p14="http://schemas.microsoft.com/office/powerpoint/2010/main" val="2560290937"/>
+        <p14:creationId xmlns:p14="http://schemas.microsoft.com/office/powerpoint/2010/main" val="1613103678"/>
       </p:ext>
     </p:extLst>
   </p:cSld>
@@ -2342,15 +2261,15 @@
         </p:nvSpPr>
         <p:spPr>
           <a:xfrm>
-            <a:off x="839789" y="426720"/>
-            <a:ext cx="3932237" cy="1493520"/>
+            <a:off x="755809" y="792480"/>
+            <a:ext cx="3539014" cy="2773680"/>
           </a:xfrm>
         </p:spPr>
         <p:txBody>
           <a:bodyPr anchor="b"/>
           <a:lstStyle>
             <a:lvl1pPr>
-              <a:defRPr sz="2987"/>
+              <a:defRPr sz="3840"/>
             </a:lvl1pPr>
           </a:lstStyle>
           <a:p>
@@ -2374,39 +2293,39 @@
         </p:nvSpPr>
         <p:spPr>
           <a:xfrm>
-            <a:off x="5183188" y="921597"/>
-            <a:ext cx="6172200" cy="4548717"/>
+            <a:off x="4664869" y="1711539"/>
+            <a:ext cx="5554980" cy="8447617"/>
           </a:xfrm>
         </p:spPr>
         <p:txBody>
           <a:bodyPr/>
           <a:lstStyle>
             <a:lvl1pPr>
-              <a:defRPr sz="2987"/>
+              <a:defRPr sz="3840"/>
             </a:lvl1pPr>
             <a:lvl2pPr>
-              <a:defRPr sz="2613"/>
+              <a:defRPr sz="3360"/>
             </a:lvl2pPr>
             <a:lvl3pPr>
-              <a:defRPr sz="2240"/>
+              <a:defRPr sz="2880"/>
             </a:lvl3pPr>
             <a:lvl4pPr>
-              <a:defRPr sz="1867"/>
+              <a:defRPr sz="2400"/>
             </a:lvl4pPr>
             <a:lvl5pPr>
-              <a:defRPr sz="1867"/>
+              <a:defRPr sz="2400"/>
             </a:lvl5pPr>
             <a:lvl6pPr>
-              <a:defRPr sz="1867"/>
+              <a:defRPr sz="2400"/>
             </a:lvl6pPr>
             <a:lvl7pPr>
-              <a:defRPr sz="1867"/>
+              <a:defRPr sz="2400"/>
             </a:lvl7pPr>
             <a:lvl8pPr>
-              <a:defRPr sz="1867"/>
+              <a:defRPr sz="2400"/>
             </a:lvl8pPr>
             <a:lvl9pPr>
-              <a:defRPr sz="1867"/>
+              <a:defRPr sz="2400"/>
             </a:lvl9pPr>
           </a:lstStyle>
           <a:p>
@@ -2459,8 +2378,8 @@
         </p:nvSpPr>
         <p:spPr>
           <a:xfrm>
-            <a:off x="839789" y="1920240"/>
-            <a:ext cx="3932237" cy="3557482"/>
+            <a:off x="755809" y="3566160"/>
+            <a:ext cx="3539014" cy="6606753"/>
           </a:xfrm>
         </p:spPr>
         <p:txBody>
@@ -2468,39 +2387,39 @@
           <a:lstStyle>
             <a:lvl1pPr marL="0" indent="0">
               <a:buNone/>
-              <a:defRPr sz="1493"/>
+              <a:defRPr sz="1920"/>
             </a:lvl1pPr>
-            <a:lvl2pPr marL="426705" indent="0">
-              <a:buNone/>
-              <a:defRPr sz="1307"/>
+            <a:lvl2pPr marL="548640" indent="0">
+              <a:buNone/>
+              <a:defRPr sz="1680"/>
             </a:lvl2pPr>
-            <a:lvl3pPr marL="853410" indent="0">
-              <a:buNone/>
-              <a:defRPr sz="1120"/>
+            <a:lvl3pPr marL="1097280" indent="0">
+              <a:buNone/>
+              <a:defRPr sz="1440"/>
             </a:lvl3pPr>
-            <a:lvl4pPr marL="1280114" indent="0">
-              <a:buNone/>
-              <a:defRPr sz="933"/>
+            <a:lvl4pPr marL="1645920" indent="0">
+              <a:buNone/>
+              <a:defRPr sz="1200"/>
             </a:lvl4pPr>
-            <a:lvl5pPr marL="1706819" indent="0">
-              <a:buNone/>
-              <a:defRPr sz="933"/>
+            <a:lvl5pPr marL="2194560" indent="0">
+              <a:buNone/>
+              <a:defRPr sz="1200"/>
             </a:lvl5pPr>
-            <a:lvl6pPr marL="2133524" indent="0">
-              <a:buNone/>
-              <a:defRPr sz="933"/>
+            <a:lvl6pPr marL="2743200" indent="0">
+              <a:buNone/>
+              <a:defRPr sz="1200"/>
             </a:lvl6pPr>
-            <a:lvl7pPr marL="2560229" indent="0">
-              <a:buNone/>
-              <a:defRPr sz="933"/>
+            <a:lvl7pPr marL="3291840" indent="0">
+              <a:buNone/>
+              <a:defRPr sz="1200"/>
             </a:lvl7pPr>
-            <a:lvl8pPr marL="2986933" indent="0">
-              <a:buNone/>
-              <a:defRPr sz="933"/>
+            <a:lvl8pPr marL="3840480" indent="0">
+              <a:buNone/>
+              <a:defRPr sz="1200"/>
             </a:lvl8pPr>
-            <a:lvl9pPr marL="3413638" indent="0">
-              <a:buNone/>
-              <a:defRPr sz="933"/>
+            <a:lvl9pPr marL="4389120" indent="0">
+              <a:buNone/>
+              <a:defRPr sz="1200"/>
             </a:lvl9pPr>
           </a:lstStyle>
           <a:p>
@@ -2529,7 +2448,7 @@
           <a:p>
             <a:fld id="{43DA9A97-6A4D-4190-82F3-1342E7FB8B4E}" type="datetimeFigureOut">
               <a:rPr lang="en-US" smtClean="0"/>
-              <a:t>8/12/2022</a:t>
+              <a:t>8/18/2022</a:t>
             </a:fld>
             <a:endParaRPr lang="en-US"/>
           </a:p>
@@ -2580,7 +2499,7 @@
     </p:spTree>
     <p:extLst>
       <p:ext uri="{BB962C8B-B14F-4D97-AF65-F5344CB8AC3E}">
-        <p14:creationId xmlns:p14="http://schemas.microsoft.com/office/powerpoint/2010/main" val="3038823262"/>
+        <p14:creationId xmlns:p14="http://schemas.microsoft.com/office/powerpoint/2010/main" val="3051560924"/>
       </p:ext>
     </p:extLst>
   </p:cSld>
@@ -2619,15 +2538,15 @@
         </p:nvSpPr>
         <p:spPr>
           <a:xfrm>
-            <a:off x="839789" y="426720"/>
-            <a:ext cx="3932237" cy="1493520"/>
+            <a:off x="755809" y="792480"/>
+            <a:ext cx="3539014" cy="2773680"/>
           </a:xfrm>
         </p:spPr>
         <p:txBody>
           <a:bodyPr anchor="b"/>
           <a:lstStyle>
             <a:lvl1pPr>
-              <a:defRPr sz="2987"/>
+              <a:defRPr sz="3840"/>
             </a:lvl1pPr>
           </a:lstStyle>
           <a:p>
@@ -2651,8 +2570,8 @@
         </p:nvSpPr>
         <p:spPr>
           <a:xfrm>
-            <a:off x="5183188" y="921597"/>
-            <a:ext cx="6172200" cy="4548717"/>
+            <a:off x="4664869" y="1711539"/>
+            <a:ext cx="5554980" cy="8447617"/>
           </a:xfrm>
         </p:spPr>
         <p:txBody>
@@ -2660,39 +2579,39 @@
           <a:lstStyle>
             <a:lvl1pPr marL="0" indent="0">
               <a:buNone/>
-              <a:defRPr sz="2987"/>
+              <a:defRPr sz="3840"/>
             </a:lvl1pPr>
-            <a:lvl2pPr marL="426705" indent="0">
-              <a:buNone/>
-              <a:defRPr sz="2613"/>
+            <a:lvl2pPr marL="548640" indent="0">
+              <a:buNone/>
+              <a:defRPr sz="3360"/>
             </a:lvl2pPr>
-            <a:lvl3pPr marL="853410" indent="0">
-              <a:buNone/>
-              <a:defRPr sz="2240"/>
+            <a:lvl3pPr marL="1097280" indent="0">
+              <a:buNone/>
+              <a:defRPr sz="2880"/>
             </a:lvl3pPr>
-            <a:lvl4pPr marL="1280114" indent="0">
-              <a:buNone/>
-              <a:defRPr sz="1867"/>
+            <a:lvl4pPr marL="1645920" indent="0">
+              <a:buNone/>
+              <a:defRPr sz="2400"/>
             </a:lvl4pPr>
-            <a:lvl5pPr marL="1706819" indent="0">
-              <a:buNone/>
-              <a:defRPr sz="1867"/>
+            <a:lvl5pPr marL="2194560" indent="0">
+              <a:buNone/>
+              <a:defRPr sz="2400"/>
             </a:lvl5pPr>
-            <a:lvl6pPr marL="2133524" indent="0">
-              <a:buNone/>
-              <a:defRPr sz="1867"/>
+            <a:lvl6pPr marL="2743200" indent="0">
+              <a:buNone/>
+              <a:defRPr sz="2400"/>
             </a:lvl6pPr>
-            <a:lvl7pPr marL="2560229" indent="0">
-              <a:buNone/>
-              <a:defRPr sz="1867"/>
+            <a:lvl7pPr marL="3291840" indent="0">
+              <a:buNone/>
+              <a:defRPr sz="2400"/>
             </a:lvl7pPr>
-            <a:lvl8pPr marL="2986933" indent="0">
-              <a:buNone/>
-              <a:defRPr sz="1867"/>
+            <a:lvl8pPr marL="3840480" indent="0">
+              <a:buNone/>
+              <a:defRPr sz="2400"/>
             </a:lvl8pPr>
-            <a:lvl9pPr marL="3413638" indent="0">
-              <a:buNone/>
-              <a:defRPr sz="1867"/>
+            <a:lvl9pPr marL="4389120" indent="0">
+              <a:buNone/>
+              <a:defRPr sz="2400"/>
             </a:lvl9pPr>
           </a:lstStyle>
           <a:p>
@@ -2716,8 +2635,8 @@
         </p:nvSpPr>
         <p:spPr>
           <a:xfrm>
-            <a:off x="839789" y="1920240"/>
-            <a:ext cx="3932237" cy="3557482"/>
+            <a:off x="755809" y="3566160"/>
+            <a:ext cx="3539014" cy="6606753"/>
           </a:xfrm>
         </p:spPr>
         <p:txBody>
@@ -2725,39 +2644,39 @@
           <a:lstStyle>
             <a:lvl1pPr marL="0" indent="0">
               <a:buNone/>
-              <a:defRPr sz="1493"/>
+              <a:defRPr sz="1920"/>
             </a:lvl1pPr>
-            <a:lvl2pPr marL="426705" indent="0">
-              <a:buNone/>
-              <a:defRPr sz="1307"/>
+            <a:lvl2pPr marL="548640" indent="0">
+              <a:buNone/>
+              <a:defRPr sz="1680"/>
             </a:lvl2pPr>
-            <a:lvl3pPr marL="853410" indent="0">
-              <a:buNone/>
-              <a:defRPr sz="1120"/>
+            <a:lvl3pPr marL="1097280" indent="0">
+              <a:buNone/>
+              <a:defRPr sz="1440"/>
             </a:lvl3pPr>
-            <a:lvl4pPr marL="1280114" indent="0">
-              <a:buNone/>
-              <a:defRPr sz="933"/>
+            <a:lvl4pPr marL="1645920" indent="0">
+              <a:buNone/>
+              <a:defRPr sz="1200"/>
             </a:lvl4pPr>
-            <a:lvl5pPr marL="1706819" indent="0">
-              <a:buNone/>
-              <a:defRPr sz="933"/>
+            <a:lvl5pPr marL="2194560" indent="0">
+              <a:buNone/>
+              <a:defRPr sz="1200"/>
             </a:lvl5pPr>
-            <a:lvl6pPr marL="2133524" indent="0">
-              <a:buNone/>
-              <a:defRPr sz="933"/>
+            <a:lvl6pPr marL="2743200" indent="0">
+              <a:buNone/>
+              <a:defRPr sz="1200"/>
             </a:lvl6pPr>
-            <a:lvl7pPr marL="2560229" indent="0">
-              <a:buNone/>
-              <a:defRPr sz="933"/>
+            <a:lvl7pPr marL="3291840" indent="0">
+              <a:buNone/>
+              <a:defRPr sz="1200"/>
             </a:lvl7pPr>
-            <a:lvl8pPr marL="2986933" indent="0">
-              <a:buNone/>
-              <a:defRPr sz="933"/>
+            <a:lvl8pPr marL="3840480" indent="0">
+              <a:buNone/>
+              <a:defRPr sz="1200"/>
             </a:lvl8pPr>
-            <a:lvl9pPr marL="3413638" indent="0">
-              <a:buNone/>
-              <a:defRPr sz="933"/>
+            <a:lvl9pPr marL="4389120" indent="0">
+              <a:buNone/>
+              <a:defRPr sz="1200"/>
             </a:lvl9pPr>
           </a:lstStyle>
           <a:p>
@@ -2786,7 +2705,7 @@
           <a:p>
             <a:fld id="{43DA9A97-6A4D-4190-82F3-1342E7FB8B4E}" type="datetimeFigureOut">
               <a:rPr lang="en-US" smtClean="0"/>
-              <a:t>8/12/2022</a:t>
+              <a:t>8/18/2022</a:t>
             </a:fld>
             <a:endParaRPr lang="en-US"/>
           </a:p>
@@ -2837,7 +2756,7 @@
     </p:spTree>
     <p:extLst>
       <p:ext uri="{BB962C8B-B14F-4D97-AF65-F5344CB8AC3E}">
-        <p14:creationId xmlns:p14="http://schemas.microsoft.com/office/powerpoint/2010/main" val="2230868850"/>
+        <p14:creationId xmlns:p14="http://schemas.microsoft.com/office/powerpoint/2010/main" val="4203966685"/>
       </p:ext>
     </p:extLst>
   </p:cSld>
@@ -2881,8 +2800,8 @@
         </p:nvSpPr>
         <p:spPr>
           <a:xfrm>
-            <a:off x="838200" y="340784"/>
-            <a:ext cx="10515600" cy="1237192"/>
+            <a:off x="754380" y="632886"/>
+            <a:ext cx="9464040" cy="2297643"/>
           </a:xfrm>
           <a:prstGeom prst="rect">
             <a:avLst/>
@@ -2914,8 +2833,8 @@
         </p:nvSpPr>
         <p:spPr>
           <a:xfrm>
-            <a:off x="838200" y="1703917"/>
-            <a:ext cx="10515600" cy="4061249"/>
+            <a:off x="754380" y="3164417"/>
+            <a:ext cx="9464040" cy="7542319"/>
           </a:xfrm>
           <a:prstGeom prst="rect">
             <a:avLst/>
@@ -2976,8 +2895,8 @@
         </p:nvSpPr>
         <p:spPr>
           <a:xfrm>
-            <a:off x="838200" y="5932594"/>
-            <a:ext cx="2743200" cy="340783"/>
+            <a:off x="754380" y="11017676"/>
+            <a:ext cx="2468880" cy="632883"/>
           </a:xfrm>
           <a:prstGeom prst="rect">
             <a:avLst/>
@@ -2987,7 +2906,7 @@
           <a:bodyPr vert="horz" lIns="91440" tIns="45720" rIns="91440" bIns="45720" rtlCol="0" anchor="ctr"/>
           <a:lstStyle>
             <a:lvl1pPr algn="l">
-              <a:defRPr sz="1120">
+              <a:defRPr sz="1440">
                 <a:solidFill>
                   <a:schemeClr val="tx1">
                     <a:tint val="75000"/>
@@ -2999,7 +2918,7 @@
           <a:p>
             <a:fld id="{43DA9A97-6A4D-4190-82F3-1342E7FB8B4E}" type="datetimeFigureOut">
               <a:rPr lang="en-US" smtClean="0"/>
-              <a:t>8/12/2022</a:t>
+              <a:t>8/18/2022</a:t>
             </a:fld>
             <a:endParaRPr lang="en-US"/>
           </a:p>
@@ -3017,8 +2936,8 @@
         </p:nvSpPr>
         <p:spPr>
           <a:xfrm>
-            <a:off x="4038600" y="5932594"/>
-            <a:ext cx="4114800" cy="340783"/>
+            <a:off x="3634740" y="11017676"/>
+            <a:ext cx="3703320" cy="632883"/>
           </a:xfrm>
           <a:prstGeom prst="rect">
             <a:avLst/>
@@ -3028,7 +2947,7 @@
           <a:bodyPr vert="horz" lIns="91440" tIns="45720" rIns="91440" bIns="45720" rtlCol="0" anchor="ctr"/>
           <a:lstStyle>
             <a:lvl1pPr algn="ctr">
-              <a:defRPr sz="1120">
+              <a:defRPr sz="1440">
                 <a:solidFill>
                   <a:schemeClr val="tx1">
                     <a:tint val="75000"/>
@@ -3054,8 +2973,8 @@
         </p:nvSpPr>
         <p:spPr>
           <a:xfrm>
-            <a:off x="8610600" y="5932594"/>
-            <a:ext cx="2743200" cy="340783"/>
+            <a:off x="7749540" y="11017676"/>
+            <a:ext cx="2468880" cy="632883"/>
           </a:xfrm>
           <a:prstGeom prst="rect">
             <a:avLst/>
@@ -3065,7 +2984,7 @@
           <a:bodyPr vert="horz" lIns="91440" tIns="45720" rIns="91440" bIns="45720" rtlCol="0" anchor="ctr"/>
           <a:lstStyle>
             <a:lvl1pPr algn="r">
-              <a:defRPr sz="1120">
+              <a:defRPr sz="1440">
                 <a:solidFill>
                   <a:schemeClr val="tx1">
                     <a:tint val="75000"/>
@@ -3086,27 +3005,27 @@
     </p:spTree>
     <p:extLst>
       <p:ext uri="{BB962C8B-B14F-4D97-AF65-F5344CB8AC3E}">
-        <p14:creationId xmlns:p14="http://schemas.microsoft.com/office/powerpoint/2010/main" val="2029457332"/>
+        <p14:creationId xmlns:p14="http://schemas.microsoft.com/office/powerpoint/2010/main" val="1059816597"/>
       </p:ext>
     </p:extLst>
   </p:cSld>
   <p:clrMap bg1="lt1" tx1="dk1" bg2="lt2" tx2="dk2" accent1="accent1" accent2="accent2" accent3="accent3" accent4="accent4" accent5="accent5" accent6="accent6" hlink="hlink" folHlink="folHlink"/>
   <p:sldLayoutIdLst>
-    <p:sldLayoutId id="2147483661" r:id="rId1"/>
-    <p:sldLayoutId id="2147483662" r:id="rId2"/>
-    <p:sldLayoutId id="2147483663" r:id="rId3"/>
-    <p:sldLayoutId id="2147483664" r:id="rId4"/>
-    <p:sldLayoutId id="2147483665" r:id="rId5"/>
-    <p:sldLayoutId id="2147483666" r:id="rId6"/>
-    <p:sldLayoutId id="2147483667" r:id="rId7"/>
-    <p:sldLayoutId id="2147483668" r:id="rId8"/>
-    <p:sldLayoutId id="2147483669" r:id="rId9"/>
-    <p:sldLayoutId id="2147483670" r:id="rId10"/>
-    <p:sldLayoutId id="2147483671" r:id="rId11"/>
+    <p:sldLayoutId id="2147483721" r:id="rId1"/>
+    <p:sldLayoutId id="2147483722" r:id="rId2"/>
+    <p:sldLayoutId id="2147483723" r:id="rId3"/>
+    <p:sldLayoutId id="2147483724" r:id="rId4"/>
+    <p:sldLayoutId id="2147483725" r:id="rId5"/>
+    <p:sldLayoutId id="2147483726" r:id="rId6"/>
+    <p:sldLayoutId id="2147483727" r:id="rId7"/>
+    <p:sldLayoutId id="2147483728" r:id="rId8"/>
+    <p:sldLayoutId id="2147483729" r:id="rId9"/>
+    <p:sldLayoutId id="2147483730" r:id="rId10"/>
+    <p:sldLayoutId id="2147483731" r:id="rId11"/>
   </p:sldLayoutIdLst>
   <p:txStyles>
     <p:titleStyle>
-      <a:lvl1pPr algn="l" defTabSz="853410" rtl="0" eaLnBrk="1" latinLnBrk="0" hangingPunct="1">
+      <a:lvl1pPr algn="l" defTabSz="1097280" rtl="0" eaLnBrk="1" latinLnBrk="0" hangingPunct="1">
         <a:lnSpc>
           <a:spcPct val="90000"/>
         </a:lnSpc>
@@ -3114,7 +3033,7 @@
           <a:spcPct val="0"/>
         </a:spcBef>
         <a:buNone/>
-        <a:defRPr sz="4107" kern="1200">
+        <a:defRPr sz="5280" kern="1200">
           <a:solidFill>
             <a:schemeClr val="tx1"/>
           </a:solidFill>
@@ -3125,16 +3044,16 @@
       </a:lvl1pPr>
     </p:titleStyle>
     <p:bodyStyle>
-      <a:lvl1pPr marL="213352" indent="-213352" algn="l" defTabSz="853410" rtl="0" eaLnBrk="1" latinLnBrk="0" hangingPunct="1">
+      <a:lvl1pPr marL="274320" indent="-274320" algn="l" defTabSz="1097280" rtl="0" eaLnBrk="1" latinLnBrk="0" hangingPunct="1">
         <a:lnSpc>
           <a:spcPct val="90000"/>
         </a:lnSpc>
         <a:spcBef>
-          <a:spcPts val="933"/>
+          <a:spcPts val="1200"/>
         </a:spcBef>
         <a:buFont typeface="Arial" panose="020B0604020202020204" pitchFamily="34" charset="0"/>
         <a:buChar char="•"/>
-        <a:defRPr sz="2613" kern="1200">
+        <a:defRPr sz="3360" kern="1200">
           <a:solidFill>
             <a:schemeClr val="tx1"/>
           </a:solidFill>
@@ -3143,16 +3062,16 @@
           <a:cs typeface="+mn-cs"/>
         </a:defRPr>
       </a:lvl1pPr>
-      <a:lvl2pPr marL="640057" indent="-213352" algn="l" defTabSz="853410" rtl="0" eaLnBrk="1" latinLnBrk="0" hangingPunct="1">
+      <a:lvl2pPr marL="822960" indent="-274320" algn="l" defTabSz="1097280" rtl="0" eaLnBrk="1" latinLnBrk="0" hangingPunct="1">
         <a:lnSpc>
           <a:spcPct val="90000"/>
         </a:lnSpc>
         <a:spcBef>
-          <a:spcPts val="467"/>
+          <a:spcPts val="600"/>
         </a:spcBef>
         <a:buFont typeface="Arial" panose="020B0604020202020204" pitchFamily="34" charset="0"/>
         <a:buChar char="•"/>
-        <a:defRPr sz="2240" kern="1200">
+        <a:defRPr sz="2880" kern="1200">
           <a:solidFill>
             <a:schemeClr val="tx1"/>
           </a:solidFill>
@@ -3161,16 +3080,16 @@
           <a:cs typeface="+mn-cs"/>
         </a:defRPr>
       </a:lvl2pPr>
-      <a:lvl3pPr marL="1066762" indent="-213352" algn="l" defTabSz="853410" rtl="0" eaLnBrk="1" latinLnBrk="0" hangingPunct="1">
+      <a:lvl3pPr marL="1371600" indent="-274320" algn="l" defTabSz="1097280" rtl="0" eaLnBrk="1" latinLnBrk="0" hangingPunct="1">
         <a:lnSpc>
           <a:spcPct val="90000"/>
         </a:lnSpc>
         <a:spcBef>
-          <a:spcPts val="467"/>
+          <a:spcPts val="600"/>
         </a:spcBef>
         <a:buFont typeface="Arial" panose="020B0604020202020204" pitchFamily="34" charset="0"/>
         <a:buChar char="•"/>
-        <a:defRPr sz="1867" kern="1200">
+        <a:defRPr sz="2400" kern="1200">
           <a:solidFill>
             <a:schemeClr val="tx1"/>
           </a:solidFill>
@@ -3179,16 +3098,16 @@
           <a:cs typeface="+mn-cs"/>
         </a:defRPr>
       </a:lvl3pPr>
-      <a:lvl4pPr marL="1493467" indent="-213352" algn="l" defTabSz="853410" rtl="0" eaLnBrk="1" latinLnBrk="0" hangingPunct="1">
+      <a:lvl4pPr marL="1920240" indent="-274320" algn="l" defTabSz="1097280" rtl="0" eaLnBrk="1" latinLnBrk="0" hangingPunct="1">
         <a:lnSpc>
           <a:spcPct val="90000"/>
         </a:lnSpc>
         <a:spcBef>
-          <a:spcPts val="467"/>
+          <a:spcPts val="600"/>
         </a:spcBef>
         <a:buFont typeface="Arial" panose="020B0604020202020204" pitchFamily="34" charset="0"/>
         <a:buChar char="•"/>
-        <a:defRPr sz="1680" kern="1200">
+        <a:defRPr sz="2160" kern="1200">
           <a:solidFill>
             <a:schemeClr val="tx1"/>
           </a:solidFill>
@@ -3197,16 +3116,16 @@
           <a:cs typeface="+mn-cs"/>
         </a:defRPr>
       </a:lvl4pPr>
-      <a:lvl5pPr marL="1920171" indent="-213352" algn="l" defTabSz="853410" rtl="0" eaLnBrk="1" latinLnBrk="0" hangingPunct="1">
+      <a:lvl5pPr marL="2468880" indent="-274320" algn="l" defTabSz="1097280" rtl="0" eaLnBrk="1" latinLnBrk="0" hangingPunct="1">
         <a:lnSpc>
           <a:spcPct val="90000"/>
         </a:lnSpc>
         <a:spcBef>
-          <a:spcPts val="467"/>
+          <a:spcPts val="600"/>
         </a:spcBef>
         <a:buFont typeface="Arial" panose="020B0604020202020204" pitchFamily="34" charset="0"/>
         <a:buChar char="•"/>
-        <a:defRPr sz="1680" kern="1200">
+        <a:defRPr sz="2160" kern="1200">
           <a:solidFill>
             <a:schemeClr val="tx1"/>
           </a:solidFill>
@@ -3215,16 +3134,16 @@
           <a:cs typeface="+mn-cs"/>
         </a:defRPr>
       </a:lvl5pPr>
-      <a:lvl6pPr marL="2346876" indent="-213352" algn="l" defTabSz="853410" rtl="0" eaLnBrk="1" latinLnBrk="0" hangingPunct="1">
+      <a:lvl6pPr marL="3017520" indent="-274320" algn="l" defTabSz="1097280" rtl="0" eaLnBrk="1" latinLnBrk="0" hangingPunct="1">
         <a:lnSpc>
           <a:spcPct val="90000"/>
         </a:lnSpc>
         <a:spcBef>
-          <a:spcPts val="467"/>
+          <a:spcPts val="600"/>
         </a:spcBef>
         <a:buFont typeface="Arial" panose="020B0604020202020204" pitchFamily="34" charset="0"/>
         <a:buChar char="•"/>
-        <a:defRPr sz="1680" kern="1200">
+        <a:defRPr sz="2160" kern="1200">
           <a:solidFill>
             <a:schemeClr val="tx1"/>
           </a:solidFill>
@@ -3233,16 +3152,16 @@
           <a:cs typeface="+mn-cs"/>
         </a:defRPr>
       </a:lvl6pPr>
-      <a:lvl7pPr marL="2773581" indent="-213352" algn="l" defTabSz="853410" rtl="0" eaLnBrk="1" latinLnBrk="0" hangingPunct="1">
+      <a:lvl7pPr marL="3566160" indent="-274320" algn="l" defTabSz="1097280" rtl="0" eaLnBrk="1" latinLnBrk="0" hangingPunct="1">
         <a:lnSpc>
           <a:spcPct val="90000"/>
         </a:lnSpc>
         <a:spcBef>
-          <a:spcPts val="467"/>
+          <a:spcPts val="600"/>
         </a:spcBef>
         <a:buFont typeface="Arial" panose="020B0604020202020204" pitchFamily="34" charset="0"/>
         <a:buChar char="•"/>
-        <a:defRPr sz="1680" kern="1200">
+        <a:defRPr sz="2160" kern="1200">
           <a:solidFill>
             <a:schemeClr val="tx1"/>
           </a:solidFill>
@@ -3251,16 +3170,16 @@
           <a:cs typeface="+mn-cs"/>
         </a:defRPr>
       </a:lvl7pPr>
-      <a:lvl8pPr marL="3200286" indent="-213352" algn="l" defTabSz="853410" rtl="0" eaLnBrk="1" latinLnBrk="0" hangingPunct="1">
+      <a:lvl8pPr marL="4114800" indent="-274320" algn="l" defTabSz="1097280" rtl="0" eaLnBrk="1" latinLnBrk="0" hangingPunct="1">
         <a:lnSpc>
           <a:spcPct val="90000"/>
         </a:lnSpc>
         <a:spcBef>
-          <a:spcPts val="467"/>
+          <a:spcPts val="600"/>
         </a:spcBef>
         <a:buFont typeface="Arial" panose="020B0604020202020204" pitchFamily="34" charset="0"/>
         <a:buChar char="•"/>
-        <a:defRPr sz="1680" kern="1200">
+        <a:defRPr sz="2160" kern="1200">
           <a:solidFill>
             <a:schemeClr val="tx1"/>
           </a:solidFill>
@@ -3269,16 +3188,16 @@
           <a:cs typeface="+mn-cs"/>
         </a:defRPr>
       </a:lvl8pPr>
-      <a:lvl9pPr marL="3626990" indent="-213352" algn="l" defTabSz="853410" rtl="0" eaLnBrk="1" latinLnBrk="0" hangingPunct="1">
+      <a:lvl9pPr marL="4663440" indent="-274320" algn="l" defTabSz="1097280" rtl="0" eaLnBrk="1" latinLnBrk="0" hangingPunct="1">
         <a:lnSpc>
           <a:spcPct val="90000"/>
         </a:lnSpc>
         <a:spcBef>
-          <a:spcPts val="467"/>
+          <a:spcPts val="600"/>
         </a:spcBef>
         <a:buFont typeface="Arial" panose="020B0604020202020204" pitchFamily="34" charset="0"/>
         <a:buChar char="•"/>
-        <a:defRPr sz="1680" kern="1200">
+        <a:defRPr sz="2160" kern="1200">
           <a:solidFill>
             <a:schemeClr val="tx1"/>
           </a:solidFill>
@@ -3292,8 +3211,8 @@
       <a:defPPr>
         <a:defRPr lang="en-US"/>
       </a:defPPr>
-      <a:lvl1pPr marL="0" algn="l" defTabSz="853410" rtl="0" eaLnBrk="1" latinLnBrk="0" hangingPunct="1">
-        <a:defRPr sz="1680" kern="1200">
+      <a:lvl1pPr marL="0" algn="l" defTabSz="1097280" rtl="0" eaLnBrk="1" latinLnBrk="0" hangingPunct="1">
+        <a:defRPr sz="2160" kern="1200">
           <a:solidFill>
             <a:schemeClr val="tx1"/>
           </a:solidFill>
@@ -3302,8 +3221,8 @@
           <a:cs typeface="+mn-cs"/>
         </a:defRPr>
       </a:lvl1pPr>
-      <a:lvl2pPr marL="426705" algn="l" defTabSz="853410" rtl="0" eaLnBrk="1" latinLnBrk="0" hangingPunct="1">
-        <a:defRPr sz="1680" kern="1200">
+      <a:lvl2pPr marL="548640" algn="l" defTabSz="1097280" rtl="0" eaLnBrk="1" latinLnBrk="0" hangingPunct="1">
+        <a:defRPr sz="2160" kern="1200">
           <a:solidFill>
             <a:schemeClr val="tx1"/>
           </a:solidFill>
@@ -3312,8 +3231,8 @@
           <a:cs typeface="+mn-cs"/>
         </a:defRPr>
       </a:lvl2pPr>
-      <a:lvl3pPr marL="853410" algn="l" defTabSz="853410" rtl="0" eaLnBrk="1" latinLnBrk="0" hangingPunct="1">
-        <a:defRPr sz="1680" kern="1200">
+      <a:lvl3pPr marL="1097280" algn="l" defTabSz="1097280" rtl="0" eaLnBrk="1" latinLnBrk="0" hangingPunct="1">
+        <a:defRPr sz="2160" kern="1200">
           <a:solidFill>
             <a:schemeClr val="tx1"/>
           </a:solidFill>
@@ -3322,8 +3241,8 @@
           <a:cs typeface="+mn-cs"/>
         </a:defRPr>
       </a:lvl3pPr>
-      <a:lvl4pPr marL="1280114" algn="l" defTabSz="853410" rtl="0" eaLnBrk="1" latinLnBrk="0" hangingPunct="1">
-        <a:defRPr sz="1680" kern="1200">
+      <a:lvl4pPr marL="1645920" algn="l" defTabSz="1097280" rtl="0" eaLnBrk="1" latinLnBrk="0" hangingPunct="1">
+        <a:defRPr sz="2160" kern="1200">
           <a:solidFill>
             <a:schemeClr val="tx1"/>
           </a:solidFill>
@@ -3332,8 +3251,8 @@
           <a:cs typeface="+mn-cs"/>
         </a:defRPr>
       </a:lvl4pPr>
-      <a:lvl5pPr marL="1706819" algn="l" defTabSz="853410" rtl="0" eaLnBrk="1" latinLnBrk="0" hangingPunct="1">
-        <a:defRPr sz="1680" kern="1200">
+      <a:lvl5pPr marL="2194560" algn="l" defTabSz="1097280" rtl="0" eaLnBrk="1" latinLnBrk="0" hangingPunct="1">
+        <a:defRPr sz="2160" kern="1200">
           <a:solidFill>
             <a:schemeClr val="tx1"/>
           </a:solidFill>
@@ -3342,8 +3261,8 @@
           <a:cs typeface="+mn-cs"/>
         </a:defRPr>
       </a:lvl5pPr>
-      <a:lvl6pPr marL="2133524" algn="l" defTabSz="853410" rtl="0" eaLnBrk="1" latinLnBrk="0" hangingPunct="1">
-        <a:defRPr sz="1680" kern="1200">
+      <a:lvl6pPr marL="2743200" algn="l" defTabSz="1097280" rtl="0" eaLnBrk="1" latinLnBrk="0" hangingPunct="1">
+        <a:defRPr sz="2160" kern="1200">
           <a:solidFill>
             <a:schemeClr val="tx1"/>
           </a:solidFill>
@@ -3352,8 +3271,8 @@
           <a:cs typeface="+mn-cs"/>
         </a:defRPr>
       </a:lvl6pPr>
-      <a:lvl7pPr marL="2560229" algn="l" defTabSz="853410" rtl="0" eaLnBrk="1" latinLnBrk="0" hangingPunct="1">
-        <a:defRPr sz="1680" kern="1200">
+      <a:lvl7pPr marL="3291840" algn="l" defTabSz="1097280" rtl="0" eaLnBrk="1" latinLnBrk="0" hangingPunct="1">
+        <a:defRPr sz="2160" kern="1200">
           <a:solidFill>
             <a:schemeClr val="tx1"/>
           </a:solidFill>
@@ -3362,8 +3281,8 @@
           <a:cs typeface="+mn-cs"/>
         </a:defRPr>
       </a:lvl7pPr>
-      <a:lvl8pPr marL="2986933" algn="l" defTabSz="853410" rtl="0" eaLnBrk="1" latinLnBrk="0" hangingPunct="1">
-        <a:defRPr sz="1680" kern="1200">
+      <a:lvl8pPr marL="3840480" algn="l" defTabSz="1097280" rtl="0" eaLnBrk="1" latinLnBrk="0" hangingPunct="1">
+        <a:defRPr sz="2160" kern="1200">
           <a:solidFill>
             <a:schemeClr val="tx1"/>
           </a:solidFill>
@@ -3372,8 +3291,8 @@
           <a:cs typeface="+mn-cs"/>
         </a:defRPr>
       </a:lvl8pPr>
-      <a:lvl9pPr marL="3413638" algn="l" defTabSz="853410" rtl="0" eaLnBrk="1" latinLnBrk="0" hangingPunct="1">
-        <a:defRPr sz="1680" kern="1200">
+      <a:lvl9pPr marL="4389120" algn="l" defTabSz="1097280" rtl="0" eaLnBrk="1" latinLnBrk="0" hangingPunct="1">
+        <a:defRPr sz="2160" kern="1200">
           <a:solidFill>
             <a:schemeClr val="tx1"/>
           </a:solidFill>
@@ -3406,10 +3325,45 @@
       </p:grpSpPr>
       <p:pic>
         <p:nvPicPr>
-          <p:cNvPr id="5" name="Picture 4">
+          <p:cNvPr id="37" name="Picture 36">
             <a:extLst>
               <a:ext uri="{FF2B5EF4-FFF2-40B4-BE49-F238E27FC236}">
-                <a16:creationId xmlns:a16="http://schemas.microsoft.com/office/drawing/2014/main" id="{B6AC8CF2-0C96-4AD6-94B1-450ACA54F358}"/>
+                <a16:creationId xmlns:a16="http://schemas.microsoft.com/office/drawing/2014/main" id="{421D58CE-E7FD-4328-B267-76618AE12912}"/>
+              </a:ext>
+            </a:extLst>
+          </p:cNvPr>
+          <p:cNvPicPr>
+            <a:picLocks noChangeAspect="1"/>
+          </p:cNvPicPr>
+          <p:nvPr/>
+        </p:nvPicPr>
+        <p:blipFill rotWithShape="1">
+          <a:blip r:embed="rId2">
+            <a:extLst>
+              <a:ext uri="{28A0092B-C50C-407E-A947-70E740481C1C}">
+                <a14:useLocalDpi xmlns:a14="http://schemas.microsoft.com/office/drawing/2010/main" val="0"/>
+              </a:ext>
+            </a:extLst>
+          </a:blip>
+          <a:srcRect t="7551" r="8333"/>
+          <a:stretch/>
+        </p:blipFill>
+        <p:spPr>
+          <a:xfrm>
+            <a:off x="36114" y="6855224"/>
+            <a:ext cx="5405164" cy="5031976"/>
+          </a:xfrm>
+          <a:prstGeom prst="rect">
+            <a:avLst/>
+          </a:prstGeom>
+        </p:spPr>
+      </p:pic>
+      <p:pic>
+        <p:nvPicPr>
+          <p:cNvPr id="35" name="Picture 34">
+            <a:extLst>
+              <a:ext uri="{FF2B5EF4-FFF2-40B4-BE49-F238E27FC236}">
+                <a16:creationId xmlns:a16="http://schemas.microsoft.com/office/drawing/2014/main" id="{DACBCDE2-74A6-4155-A5B8-17A9CB16AD5D}"/>
               </a:ext>
             </a:extLst>
           </p:cNvPr>
@@ -3426,13 +3380,13 @@
               </a:ext>
             </a:extLst>
           </a:blip>
-          <a:srcRect l="6552" t="10326" r="7525"/>
+          <a:srcRect l="4427" t="11461" r="7907" b="847"/>
           <a:stretch/>
         </p:blipFill>
         <p:spPr>
           <a:xfrm>
-            <a:off x="0" y="0"/>
-            <a:ext cx="8641492" cy="5228212"/>
+            <a:off x="0" y="189126"/>
+            <a:ext cx="10882556" cy="6584645"/>
           </a:xfrm>
           <a:prstGeom prst="rect">
             <a:avLst/>
@@ -3441,10 +3395,10 @@
       </p:pic>
       <p:pic>
         <p:nvPicPr>
-          <p:cNvPr id="6" name="Picture 5">
+          <p:cNvPr id="25" name="Picture 24">
             <a:extLst>
               <a:ext uri="{FF2B5EF4-FFF2-40B4-BE49-F238E27FC236}">
-                <a16:creationId xmlns:a16="http://schemas.microsoft.com/office/drawing/2014/main" id="{9907A514-6C3A-4029-A038-14A369143961}"/>
+                <a16:creationId xmlns:a16="http://schemas.microsoft.com/office/drawing/2014/main" id="{4735E7A8-5668-4D2C-BF32-8992B50697EA}"/>
               </a:ext>
             </a:extLst>
           </p:cNvPr>
@@ -3453,62 +3407,171 @@
           </p:cNvPicPr>
           <p:nvPr/>
         </p:nvPicPr>
-        <p:blipFill>
-          <a:blip r:embed="rId4"/>
-          <a:stretch>
-            <a:fillRect/>
-          </a:stretch>
+        <p:blipFill rotWithShape="1">
+          <a:blip r:embed="rId4">
+            <a:extLst>
+              <a:ext uri="{28A0092B-C50C-407E-A947-70E740481C1C}">
+                <a14:useLocalDpi xmlns:a14="http://schemas.microsoft.com/office/drawing/2010/main" val="0"/>
+              </a:ext>
+            </a:extLst>
+          </a:blip>
+          <a:srcRect t="9124" r="3125"/>
+          <a:stretch/>
         </p:blipFill>
         <p:spPr>
           <a:xfrm>
-            <a:off x="8460258" y="148281"/>
-            <a:ext cx="2883244" cy="2333096"/>
+            <a:off x="5404726" y="7209579"/>
+            <a:ext cx="5531960" cy="4677621"/>
           </a:xfrm>
           <a:prstGeom prst="rect">
             <a:avLst/>
           </a:prstGeom>
         </p:spPr>
       </p:pic>
-      <p:pic>
-        <p:nvPicPr>
-          <p:cNvPr id="7" name="Picture 6">
+      <p:sp>
+        <p:nvSpPr>
+          <p:cNvPr id="9" name="TextBox 8">
             <a:extLst>
               <a:ext uri="{FF2B5EF4-FFF2-40B4-BE49-F238E27FC236}">
-                <a16:creationId xmlns:a16="http://schemas.microsoft.com/office/drawing/2014/main" id="{783BD6DA-76B4-4740-BBE0-FD7855C6FE9E}"/>
+                <a16:creationId xmlns:a16="http://schemas.microsoft.com/office/drawing/2014/main" id="{9644F3F2-AD68-427A-9BEE-34601A6EB0C9}"/>
               </a:ext>
             </a:extLst>
           </p:cNvPr>
-          <p:cNvPicPr>
-            <a:picLocks noChangeAspect="1"/>
-          </p:cNvPicPr>
+          <p:cNvSpPr txBox="1"/>
           <p:nvPr/>
-        </p:nvPicPr>
-        <p:blipFill>
-          <a:blip r:embed="rId5">
-            <a:extLst>
-              <a:ext uri="{28A0092B-C50C-407E-A947-70E740481C1C}">
-                <a14:useLocalDpi xmlns:a14="http://schemas.microsoft.com/office/drawing/2010/main" val="0"/>
-              </a:ext>
-            </a:extLst>
-          </a:blip>
-          <a:stretch>
-            <a:fillRect/>
-          </a:stretch>
-        </p:blipFill>
+        </p:nvSpPr>
         <p:spPr>
           <a:xfrm>
-            <a:off x="8568098" y="2619632"/>
-            <a:ext cx="2667563" cy="2257167"/>
+            <a:off x="-1745143" y="-1266092"/>
+            <a:ext cx="851515" cy="830997"/>
           </a:xfrm>
           <a:prstGeom prst="rect">
             <a:avLst/>
           </a:prstGeom>
+          <a:noFill/>
         </p:spPr>
-      </p:pic>
+        <p:txBody>
+          <a:bodyPr wrap="none" rtlCol="0">
+            <a:spAutoFit/>
+          </a:bodyPr>
+          <a:lstStyle/>
+          <a:p>
+            <a:r>
+              <a:rPr lang="en-US" sz="4800" dirty="0"/>
+              <a:t>(a)</a:t>
+            </a:r>
+          </a:p>
+        </p:txBody>
+      </p:sp>
+      <p:sp>
+        <p:nvSpPr>
+          <p:cNvPr id="11" name="TextBox 10">
+            <a:extLst>
+              <a:ext uri="{FF2B5EF4-FFF2-40B4-BE49-F238E27FC236}">
+                <a16:creationId xmlns:a16="http://schemas.microsoft.com/office/drawing/2014/main" id="{C1A20788-A6AE-432D-B67C-7C23CD3EC2FF}"/>
+              </a:ext>
+            </a:extLst>
+          </p:cNvPr>
+          <p:cNvSpPr txBox="1"/>
+          <p:nvPr/>
+        </p:nvSpPr>
+        <p:spPr>
+          <a:xfrm>
+            <a:off x="5441278" y="6608954"/>
+            <a:ext cx="712054" cy="707886"/>
+          </a:xfrm>
+          <a:prstGeom prst="rect">
+            <a:avLst/>
+          </a:prstGeom>
+          <a:noFill/>
+        </p:spPr>
+        <p:txBody>
+          <a:bodyPr wrap="none" rtlCol="0">
+            <a:spAutoFit/>
+          </a:bodyPr>
+          <a:lstStyle/>
+          <a:p>
+            <a:r>
+              <a:rPr lang="en-US" sz="4000" dirty="0"/>
+              <a:t>(c)</a:t>
+            </a:r>
+          </a:p>
+        </p:txBody>
+      </p:sp>
+      <p:sp>
+        <p:nvSpPr>
+          <p:cNvPr id="10" name="TextBox 9">
+            <a:extLst>
+              <a:ext uri="{FF2B5EF4-FFF2-40B4-BE49-F238E27FC236}">
+                <a16:creationId xmlns:a16="http://schemas.microsoft.com/office/drawing/2014/main" id="{2029E0F7-6E01-406C-B0F7-6CE7AE0BF08E}"/>
+              </a:ext>
+            </a:extLst>
+          </p:cNvPr>
+          <p:cNvSpPr txBox="1"/>
+          <p:nvPr/>
+        </p:nvSpPr>
+        <p:spPr>
+          <a:xfrm>
+            <a:off x="36114" y="6310997"/>
+            <a:ext cx="764953" cy="707886"/>
+          </a:xfrm>
+          <a:prstGeom prst="rect">
+            <a:avLst/>
+          </a:prstGeom>
+          <a:noFill/>
+        </p:spPr>
+        <p:txBody>
+          <a:bodyPr wrap="none" rtlCol="0">
+            <a:spAutoFit/>
+          </a:bodyPr>
+          <a:lstStyle/>
+          <a:p>
+            <a:r>
+              <a:rPr lang="en-US" sz="4000" dirty="0"/>
+              <a:t>(b)</a:t>
+            </a:r>
+          </a:p>
+        </p:txBody>
+      </p:sp>
+      <p:sp>
+        <p:nvSpPr>
+          <p:cNvPr id="38" name="TextBox 37">
+            <a:extLst>
+              <a:ext uri="{FF2B5EF4-FFF2-40B4-BE49-F238E27FC236}">
+                <a16:creationId xmlns:a16="http://schemas.microsoft.com/office/drawing/2014/main" id="{FB9B3491-FFEC-4D6A-9C03-FA32F03010F3}"/>
+              </a:ext>
+            </a:extLst>
+          </p:cNvPr>
+          <p:cNvSpPr txBox="1"/>
+          <p:nvPr/>
+        </p:nvSpPr>
+        <p:spPr>
+          <a:xfrm>
+            <a:off x="0" y="0"/>
+            <a:ext cx="740908" cy="707886"/>
+          </a:xfrm>
+          <a:prstGeom prst="rect">
+            <a:avLst/>
+          </a:prstGeom>
+          <a:noFill/>
+        </p:spPr>
+        <p:txBody>
+          <a:bodyPr wrap="none" rtlCol="0">
+            <a:spAutoFit/>
+          </a:bodyPr>
+          <a:lstStyle/>
+          <a:p>
+            <a:r>
+              <a:rPr lang="en-US" sz="4000" dirty="0"/>
+              <a:t>(a)</a:t>
+            </a:r>
+          </a:p>
+        </p:txBody>
+      </p:sp>
     </p:spTree>
     <p:extLst>
       <p:ext uri="{BB962C8B-B14F-4D97-AF65-F5344CB8AC3E}">
-        <p14:creationId xmlns:p14="http://schemas.microsoft.com/office/powerpoint/2010/main" val="1822127668"/>
+        <p14:creationId xmlns:p14="http://schemas.microsoft.com/office/powerpoint/2010/main" val="697792308"/>
       </p:ext>
     </p:extLst>
   </p:cSld>

--- a/Diagnostics/local/Cori/mass25/figures/New Microsoft PowerPoint Presentation (2).pptx
+++ b/Diagnostics/local/Cori/mass25/figures/New Microsoft PowerPoint Presentation (2).pptx
@@ -197,7 +197,7 @@
           <a:p>
             <a:fld id="{556A5888-B09A-4C42-A5B1-6FA7AFFAF39F}" type="datetimeFigureOut">
               <a:rPr lang="en-US" smtClean="0"/>
-              <a:t>8/18/2022</a:t>
+              <a:t>8/22/22</a:t>
             </a:fld>
             <a:endParaRPr lang="en-US"/>
           </a:p>
@@ -595,7 +595,7 @@
           <a:p>
             <a:fld id="{43DA9A97-6A4D-4190-82F3-1342E7FB8B4E}" type="datetimeFigureOut">
               <a:rPr lang="en-US" smtClean="0"/>
-              <a:t>8/18/2022</a:t>
+              <a:t>8/22/22</a:t>
             </a:fld>
             <a:endParaRPr lang="en-US"/>
           </a:p>
@@ -765,7 +765,7 @@
           <a:p>
             <a:fld id="{43DA9A97-6A4D-4190-82F3-1342E7FB8B4E}" type="datetimeFigureOut">
               <a:rPr lang="en-US" smtClean="0"/>
-              <a:t>8/18/2022</a:t>
+              <a:t>8/22/22</a:t>
             </a:fld>
             <a:endParaRPr lang="en-US"/>
           </a:p>
@@ -945,7 +945,7 @@
           <a:p>
             <a:fld id="{43DA9A97-6A4D-4190-82F3-1342E7FB8B4E}" type="datetimeFigureOut">
               <a:rPr lang="en-US" smtClean="0"/>
-              <a:t>8/18/2022</a:t>
+              <a:t>8/22/22</a:t>
             </a:fld>
             <a:endParaRPr lang="en-US"/>
           </a:p>
@@ -1115,7 +1115,7 @@
           <a:p>
             <a:fld id="{43DA9A97-6A4D-4190-82F3-1342E7FB8B4E}" type="datetimeFigureOut">
               <a:rPr lang="en-US" smtClean="0"/>
-              <a:t>8/18/2022</a:t>
+              <a:t>8/22/22</a:t>
             </a:fld>
             <a:endParaRPr lang="en-US"/>
           </a:p>
@@ -1359,7 +1359,7 @@
           <a:p>
             <a:fld id="{43DA9A97-6A4D-4190-82F3-1342E7FB8B4E}" type="datetimeFigureOut">
               <a:rPr lang="en-US" smtClean="0"/>
-              <a:t>8/18/2022</a:t>
+              <a:t>8/22/22</a:t>
             </a:fld>
             <a:endParaRPr lang="en-US"/>
           </a:p>
@@ -1591,7 +1591,7 @@
           <a:p>
             <a:fld id="{43DA9A97-6A4D-4190-82F3-1342E7FB8B4E}" type="datetimeFigureOut">
               <a:rPr lang="en-US" smtClean="0"/>
-              <a:t>8/18/2022</a:t>
+              <a:t>8/22/22</a:t>
             </a:fld>
             <a:endParaRPr lang="en-US"/>
           </a:p>
@@ -1958,7 +1958,7 @@
           <a:p>
             <a:fld id="{43DA9A97-6A4D-4190-82F3-1342E7FB8B4E}" type="datetimeFigureOut">
               <a:rPr lang="en-US" smtClean="0"/>
-              <a:t>8/18/2022</a:t>
+              <a:t>8/22/22</a:t>
             </a:fld>
             <a:endParaRPr lang="en-US"/>
           </a:p>
@@ -2076,7 +2076,7 @@
           <a:p>
             <a:fld id="{43DA9A97-6A4D-4190-82F3-1342E7FB8B4E}" type="datetimeFigureOut">
               <a:rPr lang="en-US" smtClean="0"/>
-              <a:t>8/18/2022</a:t>
+              <a:t>8/22/22</a:t>
             </a:fld>
             <a:endParaRPr lang="en-US"/>
           </a:p>
@@ -2171,7 +2171,7 @@
           <a:p>
             <a:fld id="{43DA9A97-6A4D-4190-82F3-1342E7FB8B4E}" type="datetimeFigureOut">
               <a:rPr lang="en-US" smtClean="0"/>
-              <a:t>8/18/2022</a:t>
+              <a:t>8/22/22</a:t>
             </a:fld>
             <a:endParaRPr lang="en-US"/>
           </a:p>
@@ -2448,7 +2448,7 @@
           <a:p>
             <a:fld id="{43DA9A97-6A4D-4190-82F3-1342E7FB8B4E}" type="datetimeFigureOut">
               <a:rPr lang="en-US" smtClean="0"/>
-              <a:t>8/18/2022</a:t>
+              <a:t>8/22/22</a:t>
             </a:fld>
             <a:endParaRPr lang="en-US"/>
           </a:p>
@@ -2705,7 +2705,7 @@
           <a:p>
             <a:fld id="{43DA9A97-6A4D-4190-82F3-1342E7FB8B4E}" type="datetimeFigureOut">
               <a:rPr lang="en-US" smtClean="0"/>
-              <a:t>8/18/2022</a:t>
+              <a:t>8/22/22</a:t>
             </a:fld>
             <a:endParaRPr lang="en-US"/>
           </a:p>
@@ -2918,7 +2918,7 @@
           <a:p>
             <a:fld id="{43DA9A97-6A4D-4190-82F3-1342E7FB8B4E}" type="datetimeFigureOut">
               <a:rPr lang="en-US" smtClean="0"/>
-              <a:t>8/18/2022</a:t>
+              <a:t>8/22/22</a:t>
             </a:fld>
             <a:endParaRPr lang="en-US"/>
           </a:p>
@@ -3325,10 +3325,10 @@
       </p:grpSpPr>
       <p:pic>
         <p:nvPicPr>
-          <p:cNvPr id="37" name="Picture 36">
+          <p:cNvPr id="5" name="Picture 4" descr="Chart, line chart&#10;&#10;Description automatically generated">
             <a:extLst>
               <a:ext uri="{FF2B5EF4-FFF2-40B4-BE49-F238E27FC236}">
-                <a16:creationId xmlns:a16="http://schemas.microsoft.com/office/drawing/2014/main" id="{421D58CE-E7FD-4328-B267-76618AE12912}"/>
+                <a16:creationId xmlns:a16="http://schemas.microsoft.com/office/drawing/2014/main" id="{0887E4A2-7593-7DF4-164B-15F0B7AB061F}"/>
               </a:ext>
             </a:extLst>
           </p:cNvPr>
@@ -3345,13 +3345,13 @@
               </a:ext>
             </a:extLst>
           </a:blip>
-          <a:srcRect t="7551" r="8333"/>
+          <a:srcRect t="8338" r="8211"/>
           <a:stretch/>
         </p:blipFill>
         <p:spPr>
           <a:xfrm>
-            <a:off x="36114" y="6855224"/>
-            <a:ext cx="5405164" cy="5031976"/>
+            <a:off x="36114" y="6862633"/>
+            <a:ext cx="5433848" cy="5008961"/>
           </a:xfrm>
           <a:prstGeom prst="rect">
             <a:avLst/>
@@ -3360,10 +3360,10 @@
       </p:pic>
       <p:pic>
         <p:nvPicPr>
-          <p:cNvPr id="35" name="Picture 34">
+          <p:cNvPr id="3" name="Picture 2" descr="Chart, histogram&#10;&#10;Description automatically generated">
             <a:extLst>
               <a:ext uri="{FF2B5EF4-FFF2-40B4-BE49-F238E27FC236}">
-                <a16:creationId xmlns:a16="http://schemas.microsoft.com/office/drawing/2014/main" id="{DACBCDE2-74A6-4155-A5B8-17A9CB16AD5D}"/>
+                <a16:creationId xmlns:a16="http://schemas.microsoft.com/office/drawing/2014/main" id="{B3D5C8F0-6B86-F2D0-5692-893C6DEB3268}"/>
               </a:ext>
             </a:extLst>
           </p:cNvPr>
@@ -3380,13 +3380,13 @@
               </a:ext>
             </a:extLst>
           </a:blip>
-          <a:srcRect l="4427" t="11461" r="7907" b="847"/>
+          <a:srcRect l="4460" t="11087" r="8143" b="573"/>
           <a:stretch/>
         </p:blipFill>
         <p:spPr>
           <a:xfrm>
-            <a:off x="0" y="189126"/>
-            <a:ext cx="10882556" cy="6584645"/>
+            <a:off x="162238" y="19310"/>
+            <a:ext cx="10631886" cy="6716483"/>
           </a:xfrm>
           <a:prstGeom prst="rect">
             <a:avLst/>
@@ -3547,7 +3547,7 @@
         </p:nvSpPr>
         <p:spPr>
           <a:xfrm>
-            <a:off x="0" y="0"/>
+            <a:off x="60159" y="0"/>
             <a:ext cx="740908" cy="707886"/>
           </a:xfrm>
           <a:prstGeom prst="rect">
